--- a/ppt 16-9/0718.要祷告.pptx
+++ b/ppt 16-9/0718.要祷告.pptx
@@ -5,7 +5,7 @@
     <p:sldMasterId id="2147483648" r:id="rId1"/>
   </p:sldMasterIdLst>
   <p:sldIdLst>
-    <p:sldId id="1951" r:id="rId2"/>
+    <p:sldId id="1952" r:id="rId2"/>
   </p:sldIdLst>
   <p:sldSz cx="12192000" cy="6858000"/>
   <p:notesSz cx="6858000" cy="9144000"/>
@@ -129,7 +129,7 @@
           <p:cNvPr id="2" name="标题 1">
             <a:extLst>
               <a:ext uri="{FF2B5EF4-FFF2-40B4-BE49-F238E27FC236}">
-                <a16:creationId xmlns:a16="http://schemas.microsoft.com/office/drawing/2014/main" id="{CA740C69-D1DB-4A74-4E9B-06E25413D32A}"/>
+                <a16:creationId xmlns:a16="http://schemas.microsoft.com/office/drawing/2014/main" id="{7D47D9A5-92D2-AB91-357B-991C5B7F8176}"/>
               </a:ext>
             </a:extLst>
           </p:cNvPr>
@@ -166,7 +166,7 @@
           <p:cNvPr id="3" name="副标题 2">
             <a:extLst>
               <a:ext uri="{FF2B5EF4-FFF2-40B4-BE49-F238E27FC236}">
-                <a16:creationId xmlns:a16="http://schemas.microsoft.com/office/drawing/2014/main" id="{A6432017-EDF5-EBF1-99E5-B34431E40AC6}"/>
+                <a16:creationId xmlns:a16="http://schemas.microsoft.com/office/drawing/2014/main" id="{34E23C4C-74FB-8DC1-E9F6-33E5F0D33DEB}"/>
               </a:ext>
             </a:extLst>
           </p:cNvPr>
@@ -236,7 +236,7 @@
           <p:cNvPr id="4" name="日期占位符 3">
             <a:extLst>
               <a:ext uri="{FF2B5EF4-FFF2-40B4-BE49-F238E27FC236}">
-                <a16:creationId xmlns:a16="http://schemas.microsoft.com/office/drawing/2014/main" id="{59D4E83F-A8E3-7BE8-6801-79F3F69E5608}"/>
+                <a16:creationId xmlns:a16="http://schemas.microsoft.com/office/drawing/2014/main" id="{93875666-C6C7-043B-5246-A9999E0B5657}"/>
               </a:ext>
             </a:extLst>
           </p:cNvPr>
@@ -252,7 +252,7 @@
           <a:bodyPr/>
           <a:lstStyle/>
           <a:p>
-            <a:fld id="{166C2F61-6136-40D0-8B17-CA5C788C0BB6}" type="datetimeFigureOut">
+            <a:fld id="{FA91FEC8-BDD5-4019-B209-E84851A0FB09}" type="datetimeFigureOut">
               <a:rPr lang="zh-CN" altLang="en-US" smtClean="0"/>
               <a:t>2024/3/10</a:t>
             </a:fld>
@@ -265,7 +265,7 @@
           <p:cNvPr id="5" name="页脚占位符 4">
             <a:extLst>
               <a:ext uri="{FF2B5EF4-FFF2-40B4-BE49-F238E27FC236}">
-                <a16:creationId xmlns:a16="http://schemas.microsoft.com/office/drawing/2014/main" id="{4AED4289-A69C-23F6-B07C-B3CF0131ACE5}"/>
+                <a16:creationId xmlns:a16="http://schemas.microsoft.com/office/drawing/2014/main" id="{B30FA929-8A73-B35B-5D39-05031AD91797}"/>
               </a:ext>
             </a:extLst>
           </p:cNvPr>
@@ -290,7 +290,7 @@
           <p:cNvPr id="6" name="灯片编号占位符 5">
             <a:extLst>
               <a:ext uri="{FF2B5EF4-FFF2-40B4-BE49-F238E27FC236}">
-                <a16:creationId xmlns:a16="http://schemas.microsoft.com/office/drawing/2014/main" id="{391C57DE-3DFA-BC36-5620-70960235DD06}"/>
+                <a16:creationId xmlns:a16="http://schemas.microsoft.com/office/drawing/2014/main" id="{61769299-B708-32E2-EC99-BA6BA3BB0271}"/>
               </a:ext>
             </a:extLst>
           </p:cNvPr>
@@ -306,7 +306,7 @@
           <a:bodyPr/>
           <a:lstStyle/>
           <a:p>
-            <a:fld id="{52E6039C-7F6D-4DB8-AFB2-DEB1E2AA4A3A}" type="slidenum">
+            <a:fld id="{443DC129-915D-4BB1-BF66-5C8A27EE3A88}" type="slidenum">
               <a:rPr lang="zh-CN" altLang="en-US" smtClean="0"/>
               <a:t>‹#›</a:t>
             </a:fld>
@@ -317,7 +317,7 @@
     </p:spTree>
     <p:extLst>
       <p:ext uri="{BB962C8B-B14F-4D97-AF65-F5344CB8AC3E}">
-        <p14:creationId xmlns:p14="http://schemas.microsoft.com/office/powerpoint/2010/main" val="3042798168"/>
+        <p14:creationId xmlns:p14="http://schemas.microsoft.com/office/powerpoint/2010/main" val="200752603"/>
       </p:ext>
     </p:extLst>
   </p:cSld>
@@ -349,7 +349,7 @@
           <p:cNvPr id="2" name="标题 1">
             <a:extLst>
               <a:ext uri="{FF2B5EF4-FFF2-40B4-BE49-F238E27FC236}">
-                <a16:creationId xmlns:a16="http://schemas.microsoft.com/office/drawing/2014/main" id="{6A1EEDA8-72B3-E661-43CB-070DBBFC9E9B}"/>
+                <a16:creationId xmlns:a16="http://schemas.microsoft.com/office/drawing/2014/main" id="{968385DB-B82C-F7DE-BAAB-725BC1A8146E}"/>
               </a:ext>
             </a:extLst>
           </p:cNvPr>
@@ -377,7 +377,7 @@
           <p:cNvPr id="3" name="竖排文字占位符 2">
             <a:extLst>
               <a:ext uri="{FF2B5EF4-FFF2-40B4-BE49-F238E27FC236}">
-                <a16:creationId xmlns:a16="http://schemas.microsoft.com/office/drawing/2014/main" id="{1BCF080A-8937-E12F-C245-82FB69C1B3C8}"/>
+                <a16:creationId xmlns:a16="http://schemas.microsoft.com/office/drawing/2014/main" id="{539ED4C5-28C4-5B43-9EFE-615996565FAC}"/>
               </a:ext>
             </a:extLst>
           </p:cNvPr>
@@ -434,7 +434,7 @@
           <p:cNvPr id="4" name="日期占位符 3">
             <a:extLst>
               <a:ext uri="{FF2B5EF4-FFF2-40B4-BE49-F238E27FC236}">
-                <a16:creationId xmlns:a16="http://schemas.microsoft.com/office/drawing/2014/main" id="{764A1398-DBDB-D45E-117B-488F09846B81}"/>
+                <a16:creationId xmlns:a16="http://schemas.microsoft.com/office/drawing/2014/main" id="{701198BF-5829-AC43-39D7-1E41C2304D5B}"/>
               </a:ext>
             </a:extLst>
           </p:cNvPr>
@@ -450,7 +450,7 @@
           <a:bodyPr/>
           <a:lstStyle/>
           <a:p>
-            <a:fld id="{166C2F61-6136-40D0-8B17-CA5C788C0BB6}" type="datetimeFigureOut">
+            <a:fld id="{FA91FEC8-BDD5-4019-B209-E84851A0FB09}" type="datetimeFigureOut">
               <a:rPr lang="zh-CN" altLang="en-US" smtClean="0"/>
               <a:t>2024/3/10</a:t>
             </a:fld>
@@ -463,7 +463,7 @@
           <p:cNvPr id="5" name="页脚占位符 4">
             <a:extLst>
               <a:ext uri="{FF2B5EF4-FFF2-40B4-BE49-F238E27FC236}">
-                <a16:creationId xmlns:a16="http://schemas.microsoft.com/office/drawing/2014/main" id="{DE95E1D7-21A2-9D84-975E-75014B4C1903}"/>
+                <a16:creationId xmlns:a16="http://schemas.microsoft.com/office/drawing/2014/main" id="{184D0457-7CF5-F0A6-B477-82D929484781}"/>
               </a:ext>
             </a:extLst>
           </p:cNvPr>
@@ -488,7 +488,7 @@
           <p:cNvPr id="6" name="灯片编号占位符 5">
             <a:extLst>
               <a:ext uri="{FF2B5EF4-FFF2-40B4-BE49-F238E27FC236}">
-                <a16:creationId xmlns:a16="http://schemas.microsoft.com/office/drawing/2014/main" id="{8630917A-5D48-9773-9522-EF4EA495FD37}"/>
+                <a16:creationId xmlns:a16="http://schemas.microsoft.com/office/drawing/2014/main" id="{41EA444E-AABD-2006-384A-B17B07BE4F3C}"/>
               </a:ext>
             </a:extLst>
           </p:cNvPr>
@@ -504,7 +504,7 @@
           <a:bodyPr/>
           <a:lstStyle/>
           <a:p>
-            <a:fld id="{52E6039C-7F6D-4DB8-AFB2-DEB1E2AA4A3A}" type="slidenum">
+            <a:fld id="{443DC129-915D-4BB1-BF66-5C8A27EE3A88}" type="slidenum">
               <a:rPr lang="zh-CN" altLang="en-US" smtClean="0"/>
               <a:t>‹#›</a:t>
             </a:fld>
@@ -515,7 +515,7 @@
     </p:spTree>
     <p:extLst>
       <p:ext uri="{BB962C8B-B14F-4D97-AF65-F5344CB8AC3E}">
-        <p14:creationId xmlns:p14="http://schemas.microsoft.com/office/powerpoint/2010/main" val="4176273865"/>
+        <p14:creationId xmlns:p14="http://schemas.microsoft.com/office/powerpoint/2010/main" val="1992017006"/>
       </p:ext>
     </p:extLst>
   </p:cSld>
@@ -547,7 +547,7 @@
           <p:cNvPr id="2" name="竖排标题 1">
             <a:extLst>
               <a:ext uri="{FF2B5EF4-FFF2-40B4-BE49-F238E27FC236}">
-                <a16:creationId xmlns:a16="http://schemas.microsoft.com/office/drawing/2014/main" id="{BD1F9E8A-8D1A-FB84-F44A-89AED751ABC9}"/>
+                <a16:creationId xmlns:a16="http://schemas.microsoft.com/office/drawing/2014/main" id="{6B53BE7E-D549-D6FE-D7CA-436C0BD743EA}"/>
               </a:ext>
             </a:extLst>
           </p:cNvPr>
@@ -580,7 +580,7 @@
           <p:cNvPr id="3" name="竖排文字占位符 2">
             <a:extLst>
               <a:ext uri="{FF2B5EF4-FFF2-40B4-BE49-F238E27FC236}">
-                <a16:creationId xmlns:a16="http://schemas.microsoft.com/office/drawing/2014/main" id="{46D9469F-0BC7-F998-065F-08B277BC20CB}"/>
+                <a16:creationId xmlns:a16="http://schemas.microsoft.com/office/drawing/2014/main" id="{487176A2-4BCA-506E-2A59-4713074E147C}"/>
               </a:ext>
             </a:extLst>
           </p:cNvPr>
@@ -642,7 +642,7 @@
           <p:cNvPr id="4" name="日期占位符 3">
             <a:extLst>
               <a:ext uri="{FF2B5EF4-FFF2-40B4-BE49-F238E27FC236}">
-                <a16:creationId xmlns:a16="http://schemas.microsoft.com/office/drawing/2014/main" id="{A8382AB1-1446-190F-73FD-BF23E8BB19ED}"/>
+                <a16:creationId xmlns:a16="http://schemas.microsoft.com/office/drawing/2014/main" id="{B52F6CF8-4EB7-AD09-ED07-4FC090D6139C}"/>
               </a:ext>
             </a:extLst>
           </p:cNvPr>
@@ -658,7 +658,7 @@
           <a:bodyPr/>
           <a:lstStyle/>
           <a:p>
-            <a:fld id="{166C2F61-6136-40D0-8B17-CA5C788C0BB6}" type="datetimeFigureOut">
+            <a:fld id="{FA91FEC8-BDD5-4019-B209-E84851A0FB09}" type="datetimeFigureOut">
               <a:rPr lang="zh-CN" altLang="en-US" smtClean="0"/>
               <a:t>2024/3/10</a:t>
             </a:fld>
@@ -671,7 +671,7 @@
           <p:cNvPr id="5" name="页脚占位符 4">
             <a:extLst>
               <a:ext uri="{FF2B5EF4-FFF2-40B4-BE49-F238E27FC236}">
-                <a16:creationId xmlns:a16="http://schemas.microsoft.com/office/drawing/2014/main" id="{45CBA3E4-9A29-2A18-1152-9A1109C0CBFC}"/>
+                <a16:creationId xmlns:a16="http://schemas.microsoft.com/office/drawing/2014/main" id="{EDAABE64-C695-1C09-F94E-535AA07C3E15}"/>
               </a:ext>
             </a:extLst>
           </p:cNvPr>
@@ -696,7 +696,7 @@
           <p:cNvPr id="6" name="灯片编号占位符 5">
             <a:extLst>
               <a:ext uri="{FF2B5EF4-FFF2-40B4-BE49-F238E27FC236}">
-                <a16:creationId xmlns:a16="http://schemas.microsoft.com/office/drawing/2014/main" id="{E9D755A2-5D6C-CCBB-110F-9502E46F727E}"/>
+                <a16:creationId xmlns:a16="http://schemas.microsoft.com/office/drawing/2014/main" id="{C35FEF33-593A-3DE0-680F-F3DE5DE43275}"/>
               </a:ext>
             </a:extLst>
           </p:cNvPr>
@@ -712,7 +712,7 @@
           <a:bodyPr/>
           <a:lstStyle/>
           <a:p>
-            <a:fld id="{52E6039C-7F6D-4DB8-AFB2-DEB1E2AA4A3A}" type="slidenum">
+            <a:fld id="{443DC129-915D-4BB1-BF66-5C8A27EE3A88}" type="slidenum">
               <a:rPr lang="zh-CN" altLang="en-US" smtClean="0"/>
               <a:t>‹#›</a:t>
             </a:fld>
@@ -723,7 +723,7 @@
     </p:spTree>
     <p:extLst>
       <p:ext uri="{BB962C8B-B14F-4D97-AF65-F5344CB8AC3E}">
-        <p14:creationId xmlns:p14="http://schemas.microsoft.com/office/powerpoint/2010/main" val="2949771804"/>
+        <p14:creationId xmlns:p14="http://schemas.microsoft.com/office/powerpoint/2010/main" val="2940865029"/>
       </p:ext>
     </p:extLst>
   </p:cSld>
@@ -755,7 +755,7 @@
           <p:cNvPr id="2" name="标题 1">
             <a:extLst>
               <a:ext uri="{FF2B5EF4-FFF2-40B4-BE49-F238E27FC236}">
-                <a16:creationId xmlns:a16="http://schemas.microsoft.com/office/drawing/2014/main" id="{EC0ADC0F-D416-FFF2-A781-28B175EAF4E7}"/>
+                <a16:creationId xmlns:a16="http://schemas.microsoft.com/office/drawing/2014/main" id="{041F7945-AB51-5F87-3E5D-C656E4EFB313}"/>
               </a:ext>
             </a:extLst>
           </p:cNvPr>
@@ -783,7 +783,7 @@
           <p:cNvPr id="3" name="内容占位符 2">
             <a:extLst>
               <a:ext uri="{FF2B5EF4-FFF2-40B4-BE49-F238E27FC236}">
-                <a16:creationId xmlns:a16="http://schemas.microsoft.com/office/drawing/2014/main" id="{026EC3F4-A076-F3CA-84EE-FA08684B9609}"/>
+                <a16:creationId xmlns:a16="http://schemas.microsoft.com/office/drawing/2014/main" id="{0381A271-7F90-61F8-98F3-DA0889493756}"/>
               </a:ext>
             </a:extLst>
           </p:cNvPr>
@@ -840,7 +840,7 @@
           <p:cNvPr id="4" name="日期占位符 3">
             <a:extLst>
               <a:ext uri="{FF2B5EF4-FFF2-40B4-BE49-F238E27FC236}">
-                <a16:creationId xmlns:a16="http://schemas.microsoft.com/office/drawing/2014/main" id="{5F95D1CC-BD78-5BFA-CD94-EE883470947E}"/>
+                <a16:creationId xmlns:a16="http://schemas.microsoft.com/office/drawing/2014/main" id="{AE822AA1-23F2-2E7D-BE1C-43B365064031}"/>
               </a:ext>
             </a:extLst>
           </p:cNvPr>
@@ -856,7 +856,7 @@
           <a:bodyPr/>
           <a:lstStyle/>
           <a:p>
-            <a:fld id="{166C2F61-6136-40D0-8B17-CA5C788C0BB6}" type="datetimeFigureOut">
+            <a:fld id="{FA91FEC8-BDD5-4019-B209-E84851A0FB09}" type="datetimeFigureOut">
               <a:rPr lang="zh-CN" altLang="en-US" smtClean="0"/>
               <a:t>2024/3/10</a:t>
             </a:fld>
@@ -869,7 +869,7 @@
           <p:cNvPr id="5" name="页脚占位符 4">
             <a:extLst>
               <a:ext uri="{FF2B5EF4-FFF2-40B4-BE49-F238E27FC236}">
-                <a16:creationId xmlns:a16="http://schemas.microsoft.com/office/drawing/2014/main" id="{3A1D41DB-55C2-C2AD-315C-7E09D027361A}"/>
+                <a16:creationId xmlns:a16="http://schemas.microsoft.com/office/drawing/2014/main" id="{A44153BF-471B-3823-3CB8-848275C60174}"/>
               </a:ext>
             </a:extLst>
           </p:cNvPr>
@@ -894,7 +894,7 @@
           <p:cNvPr id="6" name="灯片编号占位符 5">
             <a:extLst>
               <a:ext uri="{FF2B5EF4-FFF2-40B4-BE49-F238E27FC236}">
-                <a16:creationId xmlns:a16="http://schemas.microsoft.com/office/drawing/2014/main" id="{B3ACE72E-4339-D082-4A5E-DC36B0E3FEB6}"/>
+                <a16:creationId xmlns:a16="http://schemas.microsoft.com/office/drawing/2014/main" id="{2985194B-C9E2-CA9D-AC49-0AC434195EFB}"/>
               </a:ext>
             </a:extLst>
           </p:cNvPr>
@@ -910,7 +910,7 @@
           <a:bodyPr/>
           <a:lstStyle/>
           <a:p>
-            <a:fld id="{52E6039C-7F6D-4DB8-AFB2-DEB1E2AA4A3A}" type="slidenum">
+            <a:fld id="{443DC129-915D-4BB1-BF66-5C8A27EE3A88}" type="slidenum">
               <a:rPr lang="zh-CN" altLang="en-US" smtClean="0"/>
               <a:t>‹#›</a:t>
             </a:fld>
@@ -921,7 +921,7 @@
     </p:spTree>
     <p:extLst>
       <p:ext uri="{BB962C8B-B14F-4D97-AF65-F5344CB8AC3E}">
-        <p14:creationId xmlns:p14="http://schemas.microsoft.com/office/powerpoint/2010/main" val="2004668599"/>
+        <p14:creationId xmlns:p14="http://schemas.microsoft.com/office/powerpoint/2010/main" val="1243498194"/>
       </p:ext>
     </p:extLst>
   </p:cSld>
@@ -953,7 +953,7 @@
           <p:cNvPr id="2" name="标题 1">
             <a:extLst>
               <a:ext uri="{FF2B5EF4-FFF2-40B4-BE49-F238E27FC236}">
-                <a16:creationId xmlns:a16="http://schemas.microsoft.com/office/drawing/2014/main" id="{1ED15C0B-35E1-DDE1-E039-33C7D19AE6A3}"/>
+                <a16:creationId xmlns:a16="http://schemas.microsoft.com/office/drawing/2014/main" id="{B163433E-B8B1-7368-E14E-4DAFE53F0530}"/>
               </a:ext>
             </a:extLst>
           </p:cNvPr>
@@ -990,7 +990,7 @@
           <p:cNvPr id="3" name="文本占位符 2">
             <a:extLst>
               <a:ext uri="{FF2B5EF4-FFF2-40B4-BE49-F238E27FC236}">
-                <a16:creationId xmlns:a16="http://schemas.microsoft.com/office/drawing/2014/main" id="{7B01E94C-2F60-6177-F5C1-9A3C6DDF6D4B}"/>
+                <a16:creationId xmlns:a16="http://schemas.microsoft.com/office/drawing/2014/main" id="{0DE9E6D3-FEC5-A9B5-CA48-744CFBBEE30B}"/>
               </a:ext>
             </a:extLst>
           </p:cNvPr>
@@ -1115,7 +1115,7 @@
           <p:cNvPr id="4" name="日期占位符 3">
             <a:extLst>
               <a:ext uri="{FF2B5EF4-FFF2-40B4-BE49-F238E27FC236}">
-                <a16:creationId xmlns:a16="http://schemas.microsoft.com/office/drawing/2014/main" id="{DD5E8374-5A79-D253-0C94-13431CCD0AAB}"/>
+                <a16:creationId xmlns:a16="http://schemas.microsoft.com/office/drawing/2014/main" id="{8F8293B3-9B2A-B898-D98A-6493F9712544}"/>
               </a:ext>
             </a:extLst>
           </p:cNvPr>
@@ -1131,7 +1131,7 @@
           <a:bodyPr/>
           <a:lstStyle/>
           <a:p>
-            <a:fld id="{166C2F61-6136-40D0-8B17-CA5C788C0BB6}" type="datetimeFigureOut">
+            <a:fld id="{FA91FEC8-BDD5-4019-B209-E84851A0FB09}" type="datetimeFigureOut">
               <a:rPr lang="zh-CN" altLang="en-US" smtClean="0"/>
               <a:t>2024/3/10</a:t>
             </a:fld>
@@ -1144,7 +1144,7 @@
           <p:cNvPr id="5" name="页脚占位符 4">
             <a:extLst>
               <a:ext uri="{FF2B5EF4-FFF2-40B4-BE49-F238E27FC236}">
-                <a16:creationId xmlns:a16="http://schemas.microsoft.com/office/drawing/2014/main" id="{938BE6A4-E95A-4A06-EE01-F2925886DB8D}"/>
+                <a16:creationId xmlns:a16="http://schemas.microsoft.com/office/drawing/2014/main" id="{C71C6837-EDA4-D339-985C-FCA9B24C92D4}"/>
               </a:ext>
             </a:extLst>
           </p:cNvPr>
@@ -1169,7 +1169,7 @@
           <p:cNvPr id="6" name="灯片编号占位符 5">
             <a:extLst>
               <a:ext uri="{FF2B5EF4-FFF2-40B4-BE49-F238E27FC236}">
-                <a16:creationId xmlns:a16="http://schemas.microsoft.com/office/drawing/2014/main" id="{0A830ABE-1CA3-4783-BAC8-22A813D9B7F1}"/>
+                <a16:creationId xmlns:a16="http://schemas.microsoft.com/office/drawing/2014/main" id="{B3111BEC-2426-A4D7-E10A-72F32BB77706}"/>
               </a:ext>
             </a:extLst>
           </p:cNvPr>
@@ -1185,7 +1185,7 @@
           <a:bodyPr/>
           <a:lstStyle/>
           <a:p>
-            <a:fld id="{52E6039C-7F6D-4DB8-AFB2-DEB1E2AA4A3A}" type="slidenum">
+            <a:fld id="{443DC129-915D-4BB1-BF66-5C8A27EE3A88}" type="slidenum">
               <a:rPr lang="zh-CN" altLang="en-US" smtClean="0"/>
               <a:t>‹#›</a:t>
             </a:fld>
@@ -1196,7 +1196,7 @@
     </p:spTree>
     <p:extLst>
       <p:ext uri="{BB962C8B-B14F-4D97-AF65-F5344CB8AC3E}">
-        <p14:creationId xmlns:p14="http://schemas.microsoft.com/office/powerpoint/2010/main" val="3363078626"/>
+        <p14:creationId xmlns:p14="http://schemas.microsoft.com/office/powerpoint/2010/main" val="1936237651"/>
       </p:ext>
     </p:extLst>
   </p:cSld>
@@ -1228,7 +1228,7 @@
           <p:cNvPr id="2" name="标题 1">
             <a:extLst>
               <a:ext uri="{FF2B5EF4-FFF2-40B4-BE49-F238E27FC236}">
-                <a16:creationId xmlns:a16="http://schemas.microsoft.com/office/drawing/2014/main" id="{DC4B83A5-088A-3A04-F841-A2153E2B6F8D}"/>
+                <a16:creationId xmlns:a16="http://schemas.microsoft.com/office/drawing/2014/main" id="{DD011DAF-740F-DEA1-044C-FEACD14CABBE}"/>
               </a:ext>
             </a:extLst>
           </p:cNvPr>
@@ -1256,7 +1256,7 @@
           <p:cNvPr id="3" name="内容占位符 2">
             <a:extLst>
               <a:ext uri="{FF2B5EF4-FFF2-40B4-BE49-F238E27FC236}">
-                <a16:creationId xmlns:a16="http://schemas.microsoft.com/office/drawing/2014/main" id="{1672FB1C-89FF-C247-57AA-C95FE1C57399}"/>
+                <a16:creationId xmlns:a16="http://schemas.microsoft.com/office/drawing/2014/main" id="{ED88C1AD-C8F9-2252-A4E0-9530D5A0E06D}"/>
               </a:ext>
             </a:extLst>
           </p:cNvPr>
@@ -1318,7 +1318,7 @@
           <p:cNvPr id="4" name="内容占位符 3">
             <a:extLst>
               <a:ext uri="{FF2B5EF4-FFF2-40B4-BE49-F238E27FC236}">
-                <a16:creationId xmlns:a16="http://schemas.microsoft.com/office/drawing/2014/main" id="{AF9AE878-D837-29E6-3C7A-48ADFB554627}"/>
+                <a16:creationId xmlns:a16="http://schemas.microsoft.com/office/drawing/2014/main" id="{D27C44DD-FF3C-D329-9492-B5D146A0E138}"/>
               </a:ext>
             </a:extLst>
           </p:cNvPr>
@@ -1380,7 +1380,7 @@
           <p:cNvPr id="5" name="日期占位符 4">
             <a:extLst>
               <a:ext uri="{FF2B5EF4-FFF2-40B4-BE49-F238E27FC236}">
-                <a16:creationId xmlns:a16="http://schemas.microsoft.com/office/drawing/2014/main" id="{B81697CB-5A1F-B528-7A6C-D7EB7E22E392}"/>
+                <a16:creationId xmlns:a16="http://schemas.microsoft.com/office/drawing/2014/main" id="{B6565828-00E5-705A-5CF6-CD84835783F5}"/>
               </a:ext>
             </a:extLst>
           </p:cNvPr>
@@ -1396,7 +1396,7 @@
           <a:bodyPr/>
           <a:lstStyle/>
           <a:p>
-            <a:fld id="{166C2F61-6136-40D0-8B17-CA5C788C0BB6}" type="datetimeFigureOut">
+            <a:fld id="{FA91FEC8-BDD5-4019-B209-E84851A0FB09}" type="datetimeFigureOut">
               <a:rPr lang="zh-CN" altLang="en-US" smtClean="0"/>
               <a:t>2024/3/10</a:t>
             </a:fld>
@@ -1409,7 +1409,7 @@
           <p:cNvPr id="6" name="页脚占位符 5">
             <a:extLst>
               <a:ext uri="{FF2B5EF4-FFF2-40B4-BE49-F238E27FC236}">
-                <a16:creationId xmlns:a16="http://schemas.microsoft.com/office/drawing/2014/main" id="{A3511C8E-62F0-7E78-FBD8-4D1C292CBADE}"/>
+                <a16:creationId xmlns:a16="http://schemas.microsoft.com/office/drawing/2014/main" id="{2CD1DA65-762F-1C90-AC80-4BA0FAF1413C}"/>
               </a:ext>
             </a:extLst>
           </p:cNvPr>
@@ -1434,7 +1434,7 @@
           <p:cNvPr id="7" name="灯片编号占位符 6">
             <a:extLst>
               <a:ext uri="{FF2B5EF4-FFF2-40B4-BE49-F238E27FC236}">
-                <a16:creationId xmlns:a16="http://schemas.microsoft.com/office/drawing/2014/main" id="{DE1CD326-89FE-CBB0-66D7-484496719C53}"/>
+                <a16:creationId xmlns:a16="http://schemas.microsoft.com/office/drawing/2014/main" id="{F29854EC-3C21-5987-EAE2-E6B4C4886AC7}"/>
               </a:ext>
             </a:extLst>
           </p:cNvPr>
@@ -1450,7 +1450,7 @@
           <a:bodyPr/>
           <a:lstStyle/>
           <a:p>
-            <a:fld id="{52E6039C-7F6D-4DB8-AFB2-DEB1E2AA4A3A}" type="slidenum">
+            <a:fld id="{443DC129-915D-4BB1-BF66-5C8A27EE3A88}" type="slidenum">
               <a:rPr lang="zh-CN" altLang="en-US" smtClean="0"/>
               <a:t>‹#›</a:t>
             </a:fld>
@@ -1461,7 +1461,7 @@
     </p:spTree>
     <p:extLst>
       <p:ext uri="{BB962C8B-B14F-4D97-AF65-F5344CB8AC3E}">
-        <p14:creationId xmlns:p14="http://schemas.microsoft.com/office/powerpoint/2010/main" val="813160290"/>
+        <p14:creationId xmlns:p14="http://schemas.microsoft.com/office/powerpoint/2010/main" val="3492542936"/>
       </p:ext>
     </p:extLst>
   </p:cSld>
@@ -1493,7 +1493,7 @@
           <p:cNvPr id="2" name="标题 1">
             <a:extLst>
               <a:ext uri="{FF2B5EF4-FFF2-40B4-BE49-F238E27FC236}">
-                <a16:creationId xmlns:a16="http://schemas.microsoft.com/office/drawing/2014/main" id="{BDE6509C-9507-9AA8-1DF8-B22801C70420}"/>
+                <a16:creationId xmlns:a16="http://schemas.microsoft.com/office/drawing/2014/main" id="{E34DA152-654E-9CDE-4066-BBBF13D9D5CB}"/>
               </a:ext>
             </a:extLst>
           </p:cNvPr>
@@ -1526,7 +1526,7 @@
           <p:cNvPr id="3" name="文本占位符 2">
             <a:extLst>
               <a:ext uri="{FF2B5EF4-FFF2-40B4-BE49-F238E27FC236}">
-                <a16:creationId xmlns:a16="http://schemas.microsoft.com/office/drawing/2014/main" id="{D8903C84-8A01-B674-6D9B-ADE9867D09EC}"/>
+                <a16:creationId xmlns:a16="http://schemas.microsoft.com/office/drawing/2014/main" id="{8530D749-6349-DC42-1FC8-68D74DC8C0A4}"/>
               </a:ext>
             </a:extLst>
           </p:cNvPr>
@@ -1597,7 +1597,7 @@
           <p:cNvPr id="4" name="内容占位符 3">
             <a:extLst>
               <a:ext uri="{FF2B5EF4-FFF2-40B4-BE49-F238E27FC236}">
-                <a16:creationId xmlns:a16="http://schemas.microsoft.com/office/drawing/2014/main" id="{8781F2DD-6FE1-D6D8-F04D-77564C02792F}"/>
+                <a16:creationId xmlns:a16="http://schemas.microsoft.com/office/drawing/2014/main" id="{14B535E9-D53F-40F3-7771-6C6265797256}"/>
               </a:ext>
             </a:extLst>
           </p:cNvPr>
@@ -1659,7 +1659,7 @@
           <p:cNvPr id="5" name="文本占位符 4">
             <a:extLst>
               <a:ext uri="{FF2B5EF4-FFF2-40B4-BE49-F238E27FC236}">
-                <a16:creationId xmlns:a16="http://schemas.microsoft.com/office/drawing/2014/main" id="{390A497D-BBCC-5BBA-DACE-18729790929A}"/>
+                <a16:creationId xmlns:a16="http://schemas.microsoft.com/office/drawing/2014/main" id="{D4A798A4-EDA7-D839-FABF-45ED38A55FDF}"/>
               </a:ext>
             </a:extLst>
           </p:cNvPr>
@@ -1730,7 +1730,7 @@
           <p:cNvPr id="6" name="内容占位符 5">
             <a:extLst>
               <a:ext uri="{FF2B5EF4-FFF2-40B4-BE49-F238E27FC236}">
-                <a16:creationId xmlns:a16="http://schemas.microsoft.com/office/drawing/2014/main" id="{246CDD9E-406C-879A-C8D9-965459D2CAB9}"/>
+                <a16:creationId xmlns:a16="http://schemas.microsoft.com/office/drawing/2014/main" id="{AB8E68B2-EC0A-89D2-5BDB-31CF4294E746}"/>
               </a:ext>
             </a:extLst>
           </p:cNvPr>
@@ -1792,7 +1792,7 @@
           <p:cNvPr id="7" name="日期占位符 6">
             <a:extLst>
               <a:ext uri="{FF2B5EF4-FFF2-40B4-BE49-F238E27FC236}">
-                <a16:creationId xmlns:a16="http://schemas.microsoft.com/office/drawing/2014/main" id="{AA70DF51-E485-C968-3B8B-446D680943A8}"/>
+                <a16:creationId xmlns:a16="http://schemas.microsoft.com/office/drawing/2014/main" id="{677DD0CC-9006-77B8-17BF-BB9F992A6A77}"/>
               </a:ext>
             </a:extLst>
           </p:cNvPr>
@@ -1808,7 +1808,7 @@
           <a:bodyPr/>
           <a:lstStyle/>
           <a:p>
-            <a:fld id="{166C2F61-6136-40D0-8B17-CA5C788C0BB6}" type="datetimeFigureOut">
+            <a:fld id="{FA91FEC8-BDD5-4019-B209-E84851A0FB09}" type="datetimeFigureOut">
               <a:rPr lang="zh-CN" altLang="en-US" smtClean="0"/>
               <a:t>2024/3/10</a:t>
             </a:fld>
@@ -1821,7 +1821,7 @@
           <p:cNvPr id="8" name="页脚占位符 7">
             <a:extLst>
               <a:ext uri="{FF2B5EF4-FFF2-40B4-BE49-F238E27FC236}">
-                <a16:creationId xmlns:a16="http://schemas.microsoft.com/office/drawing/2014/main" id="{BC6FB18D-BDAA-9939-D95B-5A37F7D4B529}"/>
+                <a16:creationId xmlns:a16="http://schemas.microsoft.com/office/drawing/2014/main" id="{CAB48A99-234C-E151-7246-5B5F026F1DE9}"/>
               </a:ext>
             </a:extLst>
           </p:cNvPr>
@@ -1846,7 +1846,7 @@
           <p:cNvPr id="9" name="灯片编号占位符 8">
             <a:extLst>
               <a:ext uri="{FF2B5EF4-FFF2-40B4-BE49-F238E27FC236}">
-                <a16:creationId xmlns:a16="http://schemas.microsoft.com/office/drawing/2014/main" id="{36498427-782A-5E10-CC33-CFA41BBA0EA7}"/>
+                <a16:creationId xmlns:a16="http://schemas.microsoft.com/office/drawing/2014/main" id="{DDF61168-B6A9-76D3-4CC0-70E8AD1D61CA}"/>
               </a:ext>
             </a:extLst>
           </p:cNvPr>
@@ -1862,7 +1862,7 @@
           <a:bodyPr/>
           <a:lstStyle/>
           <a:p>
-            <a:fld id="{52E6039C-7F6D-4DB8-AFB2-DEB1E2AA4A3A}" type="slidenum">
+            <a:fld id="{443DC129-915D-4BB1-BF66-5C8A27EE3A88}" type="slidenum">
               <a:rPr lang="zh-CN" altLang="en-US" smtClean="0"/>
               <a:t>‹#›</a:t>
             </a:fld>
@@ -1873,7 +1873,7 @@
     </p:spTree>
     <p:extLst>
       <p:ext uri="{BB962C8B-B14F-4D97-AF65-F5344CB8AC3E}">
-        <p14:creationId xmlns:p14="http://schemas.microsoft.com/office/powerpoint/2010/main" val="269491447"/>
+        <p14:creationId xmlns:p14="http://schemas.microsoft.com/office/powerpoint/2010/main" val="824559774"/>
       </p:ext>
     </p:extLst>
   </p:cSld>
@@ -1905,7 +1905,7 @@
           <p:cNvPr id="2" name="标题 1">
             <a:extLst>
               <a:ext uri="{FF2B5EF4-FFF2-40B4-BE49-F238E27FC236}">
-                <a16:creationId xmlns:a16="http://schemas.microsoft.com/office/drawing/2014/main" id="{DAB4FB88-5FE6-43C6-E16D-C2695004BCC2}"/>
+                <a16:creationId xmlns:a16="http://schemas.microsoft.com/office/drawing/2014/main" id="{60B47177-FE1D-1AB4-1903-17B4E1B40DC0}"/>
               </a:ext>
             </a:extLst>
           </p:cNvPr>
@@ -1933,7 +1933,7 @@
           <p:cNvPr id="3" name="日期占位符 2">
             <a:extLst>
               <a:ext uri="{FF2B5EF4-FFF2-40B4-BE49-F238E27FC236}">
-                <a16:creationId xmlns:a16="http://schemas.microsoft.com/office/drawing/2014/main" id="{3150A880-ADEC-4640-9768-9E99F3652B70}"/>
+                <a16:creationId xmlns:a16="http://schemas.microsoft.com/office/drawing/2014/main" id="{4ADA992C-2FE0-0CA8-B6CA-E5E265D0D46A}"/>
               </a:ext>
             </a:extLst>
           </p:cNvPr>
@@ -1949,7 +1949,7 @@
           <a:bodyPr/>
           <a:lstStyle/>
           <a:p>
-            <a:fld id="{166C2F61-6136-40D0-8B17-CA5C788C0BB6}" type="datetimeFigureOut">
+            <a:fld id="{FA91FEC8-BDD5-4019-B209-E84851A0FB09}" type="datetimeFigureOut">
               <a:rPr lang="zh-CN" altLang="en-US" smtClean="0"/>
               <a:t>2024/3/10</a:t>
             </a:fld>
@@ -1962,7 +1962,7 @@
           <p:cNvPr id="4" name="页脚占位符 3">
             <a:extLst>
               <a:ext uri="{FF2B5EF4-FFF2-40B4-BE49-F238E27FC236}">
-                <a16:creationId xmlns:a16="http://schemas.microsoft.com/office/drawing/2014/main" id="{97AF30AD-A57B-C0F8-C9E7-95DF06087865}"/>
+                <a16:creationId xmlns:a16="http://schemas.microsoft.com/office/drawing/2014/main" id="{EDB34517-216D-30EA-264E-B8CB99686626}"/>
               </a:ext>
             </a:extLst>
           </p:cNvPr>
@@ -1987,7 +1987,7 @@
           <p:cNvPr id="5" name="灯片编号占位符 4">
             <a:extLst>
               <a:ext uri="{FF2B5EF4-FFF2-40B4-BE49-F238E27FC236}">
-                <a16:creationId xmlns:a16="http://schemas.microsoft.com/office/drawing/2014/main" id="{B30FA6F8-A489-1EB8-50B1-38A691D49FAF}"/>
+                <a16:creationId xmlns:a16="http://schemas.microsoft.com/office/drawing/2014/main" id="{7053248C-046C-AA1C-740A-0EC7F959FE5A}"/>
               </a:ext>
             </a:extLst>
           </p:cNvPr>
@@ -2003,7 +2003,7 @@
           <a:bodyPr/>
           <a:lstStyle/>
           <a:p>
-            <a:fld id="{52E6039C-7F6D-4DB8-AFB2-DEB1E2AA4A3A}" type="slidenum">
+            <a:fld id="{443DC129-915D-4BB1-BF66-5C8A27EE3A88}" type="slidenum">
               <a:rPr lang="zh-CN" altLang="en-US" smtClean="0"/>
               <a:t>‹#›</a:t>
             </a:fld>
@@ -2014,7 +2014,7 @@
     </p:spTree>
     <p:extLst>
       <p:ext uri="{BB962C8B-B14F-4D97-AF65-F5344CB8AC3E}">
-        <p14:creationId xmlns:p14="http://schemas.microsoft.com/office/powerpoint/2010/main" val="1204915401"/>
+        <p14:creationId xmlns:p14="http://schemas.microsoft.com/office/powerpoint/2010/main" val="2182017689"/>
       </p:ext>
     </p:extLst>
   </p:cSld>
@@ -2046,7 +2046,7 @@
           <p:cNvPr id="2" name="日期占位符 1">
             <a:extLst>
               <a:ext uri="{FF2B5EF4-FFF2-40B4-BE49-F238E27FC236}">
-                <a16:creationId xmlns:a16="http://schemas.microsoft.com/office/drawing/2014/main" id="{C682AA3F-DE60-A82F-1136-E60C0026BF43}"/>
+                <a16:creationId xmlns:a16="http://schemas.microsoft.com/office/drawing/2014/main" id="{72356972-542F-ABAB-6FD6-0D7DDD2D3002}"/>
               </a:ext>
             </a:extLst>
           </p:cNvPr>
@@ -2062,7 +2062,7 @@
           <a:bodyPr/>
           <a:lstStyle/>
           <a:p>
-            <a:fld id="{166C2F61-6136-40D0-8B17-CA5C788C0BB6}" type="datetimeFigureOut">
+            <a:fld id="{FA91FEC8-BDD5-4019-B209-E84851A0FB09}" type="datetimeFigureOut">
               <a:rPr lang="zh-CN" altLang="en-US" smtClean="0"/>
               <a:t>2024/3/10</a:t>
             </a:fld>
@@ -2075,7 +2075,7 @@
           <p:cNvPr id="3" name="页脚占位符 2">
             <a:extLst>
               <a:ext uri="{FF2B5EF4-FFF2-40B4-BE49-F238E27FC236}">
-                <a16:creationId xmlns:a16="http://schemas.microsoft.com/office/drawing/2014/main" id="{5E7975A2-587F-9DA0-5FF8-CB849A49A38A}"/>
+                <a16:creationId xmlns:a16="http://schemas.microsoft.com/office/drawing/2014/main" id="{2B2B618F-CF9B-7426-8B2B-043474357DCC}"/>
               </a:ext>
             </a:extLst>
           </p:cNvPr>
@@ -2100,7 +2100,7 @@
           <p:cNvPr id="4" name="灯片编号占位符 3">
             <a:extLst>
               <a:ext uri="{FF2B5EF4-FFF2-40B4-BE49-F238E27FC236}">
-                <a16:creationId xmlns:a16="http://schemas.microsoft.com/office/drawing/2014/main" id="{64FC63EF-8C54-BDBF-9FF0-3B738A9D4C81}"/>
+                <a16:creationId xmlns:a16="http://schemas.microsoft.com/office/drawing/2014/main" id="{CC7FB4D3-C8B6-BB44-AFCC-8ACB205C3E92}"/>
               </a:ext>
             </a:extLst>
           </p:cNvPr>
@@ -2116,7 +2116,7 @@
           <a:bodyPr/>
           <a:lstStyle/>
           <a:p>
-            <a:fld id="{52E6039C-7F6D-4DB8-AFB2-DEB1E2AA4A3A}" type="slidenum">
+            <a:fld id="{443DC129-915D-4BB1-BF66-5C8A27EE3A88}" type="slidenum">
               <a:rPr lang="zh-CN" altLang="en-US" smtClean="0"/>
               <a:t>‹#›</a:t>
             </a:fld>
@@ -2127,7 +2127,7 @@
     </p:spTree>
     <p:extLst>
       <p:ext uri="{BB962C8B-B14F-4D97-AF65-F5344CB8AC3E}">
-        <p14:creationId xmlns:p14="http://schemas.microsoft.com/office/powerpoint/2010/main" val="3676702454"/>
+        <p14:creationId xmlns:p14="http://schemas.microsoft.com/office/powerpoint/2010/main" val="1875907663"/>
       </p:ext>
     </p:extLst>
   </p:cSld>
@@ -2159,7 +2159,7 @@
           <p:cNvPr id="2" name="标题 1">
             <a:extLst>
               <a:ext uri="{FF2B5EF4-FFF2-40B4-BE49-F238E27FC236}">
-                <a16:creationId xmlns:a16="http://schemas.microsoft.com/office/drawing/2014/main" id="{5B8430BE-F782-05BA-89F0-09A80DD1D5B1}"/>
+                <a16:creationId xmlns:a16="http://schemas.microsoft.com/office/drawing/2014/main" id="{9B6BA0AF-56B7-A7FA-0D4C-022847E9657B}"/>
               </a:ext>
             </a:extLst>
           </p:cNvPr>
@@ -2196,7 +2196,7 @@
           <p:cNvPr id="3" name="内容占位符 2">
             <a:extLst>
               <a:ext uri="{FF2B5EF4-FFF2-40B4-BE49-F238E27FC236}">
-                <a16:creationId xmlns:a16="http://schemas.microsoft.com/office/drawing/2014/main" id="{AB88E21B-FC88-A457-5E1B-54EC3EED671B}"/>
+                <a16:creationId xmlns:a16="http://schemas.microsoft.com/office/drawing/2014/main" id="{10AC9CCA-FFD2-F07E-C607-E713ABC52F60}"/>
               </a:ext>
             </a:extLst>
           </p:cNvPr>
@@ -2286,7 +2286,7 @@
           <p:cNvPr id="4" name="文本占位符 3">
             <a:extLst>
               <a:ext uri="{FF2B5EF4-FFF2-40B4-BE49-F238E27FC236}">
-                <a16:creationId xmlns:a16="http://schemas.microsoft.com/office/drawing/2014/main" id="{1909665E-B814-FEF6-D957-11AE11A530B0}"/>
+                <a16:creationId xmlns:a16="http://schemas.microsoft.com/office/drawing/2014/main" id="{4E633966-F154-E148-F5E2-E38D90047B45}"/>
               </a:ext>
             </a:extLst>
           </p:cNvPr>
@@ -2357,7 +2357,7 @@
           <p:cNvPr id="5" name="日期占位符 4">
             <a:extLst>
               <a:ext uri="{FF2B5EF4-FFF2-40B4-BE49-F238E27FC236}">
-                <a16:creationId xmlns:a16="http://schemas.microsoft.com/office/drawing/2014/main" id="{B53E440B-357E-FB33-0739-7F2E29ADE0A6}"/>
+                <a16:creationId xmlns:a16="http://schemas.microsoft.com/office/drawing/2014/main" id="{CB002995-7668-DFE9-7369-C664C2988760}"/>
               </a:ext>
             </a:extLst>
           </p:cNvPr>
@@ -2373,7 +2373,7 @@
           <a:bodyPr/>
           <a:lstStyle/>
           <a:p>
-            <a:fld id="{166C2F61-6136-40D0-8B17-CA5C788C0BB6}" type="datetimeFigureOut">
+            <a:fld id="{FA91FEC8-BDD5-4019-B209-E84851A0FB09}" type="datetimeFigureOut">
               <a:rPr lang="zh-CN" altLang="en-US" smtClean="0"/>
               <a:t>2024/3/10</a:t>
             </a:fld>
@@ -2386,7 +2386,7 @@
           <p:cNvPr id="6" name="页脚占位符 5">
             <a:extLst>
               <a:ext uri="{FF2B5EF4-FFF2-40B4-BE49-F238E27FC236}">
-                <a16:creationId xmlns:a16="http://schemas.microsoft.com/office/drawing/2014/main" id="{77E4148C-428E-7B34-FDA2-780989BAC11A}"/>
+                <a16:creationId xmlns:a16="http://schemas.microsoft.com/office/drawing/2014/main" id="{266DA50C-EE33-518E-4A5D-30885F72DC0B}"/>
               </a:ext>
             </a:extLst>
           </p:cNvPr>
@@ -2411,7 +2411,7 @@
           <p:cNvPr id="7" name="灯片编号占位符 6">
             <a:extLst>
               <a:ext uri="{FF2B5EF4-FFF2-40B4-BE49-F238E27FC236}">
-                <a16:creationId xmlns:a16="http://schemas.microsoft.com/office/drawing/2014/main" id="{81A3EA57-0BA5-FFA6-527C-6163E7A2AF5D}"/>
+                <a16:creationId xmlns:a16="http://schemas.microsoft.com/office/drawing/2014/main" id="{1B696BAC-9604-9974-6E23-3FAE73CBF3E4}"/>
               </a:ext>
             </a:extLst>
           </p:cNvPr>
@@ -2427,7 +2427,7 @@
           <a:bodyPr/>
           <a:lstStyle/>
           <a:p>
-            <a:fld id="{52E6039C-7F6D-4DB8-AFB2-DEB1E2AA4A3A}" type="slidenum">
+            <a:fld id="{443DC129-915D-4BB1-BF66-5C8A27EE3A88}" type="slidenum">
               <a:rPr lang="zh-CN" altLang="en-US" smtClean="0"/>
               <a:t>‹#›</a:t>
             </a:fld>
@@ -2438,7 +2438,7 @@
     </p:spTree>
     <p:extLst>
       <p:ext uri="{BB962C8B-B14F-4D97-AF65-F5344CB8AC3E}">
-        <p14:creationId xmlns:p14="http://schemas.microsoft.com/office/powerpoint/2010/main" val="1371190346"/>
+        <p14:creationId xmlns:p14="http://schemas.microsoft.com/office/powerpoint/2010/main" val="675366756"/>
       </p:ext>
     </p:extLst>
   </p:cSld>
@@ -2470,7 +2470,7 @@
           <p:cNvPr id="2" name="标题 1">
             <a:extLst>
               <a:ext uri="{FF2B5EF4-FFF2-40B4-BE49-F238E27FC236}">
-                <a16:creationId xmlns:a16="http://schemas.microsoft.com/office/drawing/2014/main" id="{EC084B95-DECA-886E-653A-A80D7F19D751}"/>
+                <a16:creationId xmlns:a16="http://schemas.microsoft.com/office/drawing/2014/main" id="{DE442C6B-60B3-6067-9275-6E779224489B}"/>
               </a:ext>
             </a:extLst>
           </p:cNvPr>
@@ -2507,7 +2507,7 @@
           <p:cNvPr id="3" name="图片占位符 2">
             <a:extLst>
               <a:ext uri="{FF2B5EF4-FFF2-40B4-BE49-F238E27FC236}">
-                <a16:creationId xmlns:a16="http://schemas.microsoft.com/office/drawing/2014/main" id="{22835F82-E9B4-7822-ACAA-9B40788EB6B1}"/>
+                <a16:creationId xmlns:a16="http://schemas.microsoft.com/office/drawing/2014/main" id="{15B39F8E-FEAA-E82C-9AFD-5109B58DCA39}"/>
               </a:ext>
             </a:extLst>
           </p:cNvPr>
@@ -2574,7 +2574,7 @@
           <p:cNvPr id="4" name="文本占位符 3">
             <a:extLst>
               <a:ext uri="{FF2B5EF4-FFF2-40B4-BE49-F238E27FC236}">
-                <a16:creationId xmlns:a16="http://schemas.microsoft.com/office/drawing/2014/main" id="{F494D53C-4A16-79E7-A4E0-DCD5E3B29B08}"/>
+                <a16:creationId xmlns:a16="http://schemas.microsoft.com/office/drawing/2014/main" id="{593EBDFA-8A75-6A09-7FD0-9E6E0668599D}"/>
               </a:ext>
             </a:extLst>
           </p:cNvPr>
@@ -2645,7 +2645,7 @@
           <p:cNvPr id="5" name="日期占位符 4">
             <a:extLst>
               <a:ext uri="{FF2B5EF4-FFF2-40B4-BE49-F238E27FC236}">
-                <a16:creationId xmlns:a16="http://schemas.microsoft.com/office/drawing/2014/main" id="{066E6AA8-D6B2-FF90-DDB7-317FDBB7E16E}"/>
+                <a16:creationId xmlns:a16="http://schemas.microsoft.com/office/drawing/2014/main" id="{52C4A43A-8FE7-EAB2-13FA-102308B1923F}"/>
               </a:ext>
             </a:extLst>
           </p:cNvPr>
@@ -2661,7 +2661,7 @@
           <a:bodyPr/>
           <a:lstStyle/>
           <a:p>
-            <a:fld id="{166C2F61-6136-40D0-8B17-CA5C788C0BB6}" type="datetimeFigureOut">
+            <a:fld id="{FA91FEC8-BDD5-4019-B209-E84851A0FB09}" type="datetimeFigureOut">
               <a:rPr lang="zh-CN" altLang="en-US" smtClean="0"/>
               <a:t>2024/3/10</a:t>
             </a:fld>
@@ -2674,7 +2674,7 @@
           <p:cNvPr id="6" name="页脚占位符 5">
             <a:extLst>
               <a:ext uri="{FF2B5EF4-FFF2-40B4-BE49-F238E27FC236}">
-                <a16:creationId xmlns:a16="http://schemas.microsoft.com/office/drawing/2014/main" id="{3F1B961A-8F64-0B5E-0BE2-D1103D1433C7}"/>
+                <a16:creationId xmlns:a16="http://schemas.microsoft.com/office/drawing/2014/main" id="{16AE5BA2-3CE9-A8B8-6147-70B324C35A00}"/>
               </a:ext>
             </a:extLst>
           </p:cNvPr>
@@ -2699,7 +2699,7 @@
           <p:cNvPr id="7" name="灯片编号占位符 6">
             <a:extLst>
               <a:ext uri="{FF2B5EF4-FFF2-40B4-BE49-F238E27FC236}">
-                <a16:creationId xmlns:a16="http://schemas.microsoft.com/office/drawing/2014/main" id="{C14DC4BB-9555-C5DA-78D2-0D2FB9C4E479}"/>
+                <a16:creationId xmlns:a16="http://schemas.microsoft.com/office/drawing/2014/main" id="{E47B9CB8-B398-F2B6-5B19-8D766ABBE3A4}"/>
               </a:ext>
             </a:extLst>
           </p:cNvPr>
@@ -2715,7 +2715,7 @@
           <a:bodyPr/>
           <a:lstStyle/>
           <a:p>
-            <a:fld id="{52E6039C-7F6D-4DB8-AFB2-DEB1E2AA4A3A}" type="slidenum">
+            <a:fld id="{443DC129-915D-4BB1-BF66-5C8A27EE3A88}" type="slidenum">
               <a:rPr lang="zh-CN" altLang="en-US" smtClean="0"/>
               <a:t>‹#›</a:t>
             </a:fld>
@@ -2726,7 +2726,7 @@
     </p:spTree>
     <p:extLst>
       <p:ext uri="{BB962C8B-B14F-4D97-AF65-F5344CB8AC3E}">
-        <p14:creationId xmlns:p14="http://schemas.microsoft.com/office/powerpoint/2010/main" val="2190917882"/>
+        <p14:creationId xmlns:p14="http://schemas.microsoft.com/office/powerpoint/2010/main" val="191167463"/>
       </p:ext>
     </p:extLst>
   </p:cSld>
@@ -2763,7 +2763,7 @@
           <p:cNvPr id="2" name="标题占位符 1">
             <a:extLst>
               <a:ext uri="{FF2B5EF4-FFF2-40B4-BE49-F238E27FC236}">
-                <a16:creationId xmlns:a16="http://schemas.microsoft.com/office/drawing/2014/main" id="{06A8B8C0-F013-B623-7534-6B26F57158CA}"/>
+                <a16:creationId xmlns:a16="http://schemas.microsoft.com/office/drawing/2014/main" id="{B3562BF2-F61E-E6E0-6BD0-89D6DA700E5B}"/>
               </a:ext>
             </a:extLst>
           </p:cNvPr>
@@ -2801,7 +2801,7 @@
           <p:cNvPr id="3" name="文本占位符 2">
             <a:extLst>
               <a:ext uri="{FF2B5EF4-FFF2-40B4-BE49-F238E27FC236}">
-                <a16:creationId xmlns:a16="http://schemas.microsoft.com/office/drawing/2014/main" id="{7E084710-BA0B-4247-EE25-AC2EA1385855}"/>
+                <a16:creationId xmlns:a16="http://schemas.microsoft.com/office/drawing/2014/main" id="{057ED389-69D6-2114-C196-349AC224683D}"/>
               </a:ext>
             </a:extLst>
           </p:cNvPr>
@@ -2868,7 +2868,7 @@
           <p:cNvPr id="4" name="日期占位符 3">
             <a:extLst>
               <a:ext uri="{FF2B5EF4-FFF2-40B4-BE49-F238E27FC236}">
-                <a16:creationId xmlns:a16="http://schemas.microsoft.com/office/drawing/2014/main" id="{BF6F9664-C199-1D5D-07EB-E6D88F860C8B}"/>
+                <a16:creationId xmlns:a16="http://schemas.microsoft.com/office/drawing/2014/main" id="{1EAE6DFB-728A-A29D-3DB0-ADD6428095AE}"/>
               </a:ext>
             </a:extLst>
           </p:cNvPr>
@@ -2902,7 +2902,7 @@
             </a:lvl1pPr>
           </a:lstStyle>
           <a:p>
-            <a:fld id="{166C2F61-6136-40D0-8B17-CA5C788C0BB6}" type="datetimeFigureOut">
+            <a:fld id="{FA91FEC8-BDD5-4019-B209-E84851A0FB09}" type="datetimeFigureOut">
               <a:rPr lang="zh-CN" altLang="en-US" smtClean="0"/>
               <a:t>2024/3/10</a:t>
             </a:fld>
@@ -2915,7 +2915,7 @@
           <p:cNvPr id="5" name="页脚占位符 4">
             <a:extLst>
               <a:ext uri="{FF2B5EF4-FFF2-40B4-BE49-F238E27FC236}">
-                <a16:creationId xmlns:a16="http://schemas.microsoft.com/office/drawing/2014/main" id="{DF7964DF-1AB4-CBE7-C974-458AFDC1E9D8}"/>
+                <a16:creationId xmlns:a16="http://schemas.microsoft.com/office/drawing/2014/main" id="{E2600D01-4044-8730-561A-106EE1C190EE}"/>
               </a:ext>
             </a:extLst>
           </p:cNvPr>
@@ -2958,7 +2958,7 @@
           <p:cNvPr id="6" name="灯片编号占位符 5">
             <a:extLst>
               <a:ext uri="{FF2B5EF4-FFF2-40B4-BE49-F238E27FC236}">
-                <a16:creationId xmlns:a16="http://schemas.microsoft.com/office/drawing/2014/main" id="{4188CA30-EEBD-67AD-C365-E9BF734D0A93}"/>
+                <a16:creationId xmlns:a16="http://schemas.microsoft.com/office/drawing/2014/main" id="{D19C0E8C-E305-F8D8-01C5-F04A58C534A4}"/>
               </a:ext>
             </a:extLst>
           </p:cNvPr>
@@ -2992,7 +2992,7 @@
             </a:lvl1pPr>
           </a:lstStyle>
           <a:p>
-            <a:fld id="{52E6039C-7F6D-4DB8-AFB2-DEB1E2AA4A3A}" type="slidenum">
+            <a:fld id="{443DC129-915D-4BB1-BF66-5C8A27EE3A88}" type="slidenum">
               <a:rPr lang="zh-CN" altLang="en-US" smtClean="0"/>
               <a:t>‹#›</a:t>
             </a:fld>
@@ -3003,7 +3003,7 @@
     </p:spTree>
     <p:extLst>
       <p:ext uri="{BB962C8B-B14F-4D97-AF65-F5344CB8AC3E}">
-        <p14:creationId xmlns:p14="http://schemas.microsoft.com/office/powerpoint/2010/main" val="289096142"/>
+        <p14:creationId xmlns:p14="http://schemas.microsoft.com/office/powerpoint/2010/main" val="959582085"/>
       </p:ext>
     </p:extLst>
   </p:cSld>
@@ -3323,7 +3323,7 @@
       </p:grpSpPr>
       <p:pic>
         <p:nvPicPr>
-          <p:cNvPr id="735234" name="Picture 2" descr="717"/>
+          <p:cNvPr id="736258" name="Picture 2" descr="718"/>
           <p:cNvPicPr>
             <a:picLocks noChangeAspect="1" noChangeArrowheads="1"/>
           </p:cNvPicPr>
